--- a/Presentation #5 - Steering group meeting 20171204.pptx
+++ b/Presentation #5 - Steering group meeting 20171204.pptx
@@ -276,7 +276,7 @@
             <a:fld id="{B5703ACA-C4B8-2743-8940-61878C36F806}" type="datetime1">
               <a:rPr lang="sv-SE"/>
               <a:pPr/>
-              <a:t>2017-12-03</a:t>
+              <a:t>2017-12-04</a:t>
             </a:fld>
             <a:endParaRPr lang="en-GB"/>
           </a:p>
@@ -463,7 +463,7 @@
             <a:fld id="{F18A83E4-4820-6743-950E-88A54B033D3A}" type="datetime1">
               <a:rPr lang="sv-SE"/>
               <a:pPr/>
-              <a:t>2017-12-03</a:t>
+              <a:t>2017-12-04</a:t>
             </a:fld>
             <a:endParaRPr lang="sv-SE"/>
           </a:p>
@@ -823,7 +823,7 @@
               </a14:hiddenFill>
             </a:ext>
             <a:ext uri="{FAA26D3D-D897-4be2-8F04-BA451C77F1D7}">
-              <ma14:placeholderFlag xmlns:ma14="http://schemas.microsoft.com/office/mac/drawingml/2011/main" xmlns="" val="1"/>
+              <ma14:placeholderFlag xmlns="" xmlns:ma14="http://schemas.microsoft.com/office/mac/drawingml/2011/main" val="1"/>
             </a:ext>
           </a:extLst>
         </p:spPr>
@@ -859,7 +859,7 @@
               </a14:hiddenLine>
             </a:ext>
             <a:ext uri="{FAA26D3D-D897-4be2-8F04-BA451C77F1D7}">
-              <ma14:placeholderFlag xmlns:ma14="http://schemas.microsoft.com/office/mac/drawingml/2011/main" xmlns="" val="1"/>
+              <ma14:placeholderFlag xmlns="" xmlns:ma14="http://schemas.microsoft.com/office/mac/drawingml/2011/main" val="1"/>
             </a:ext>
           </a:extLst>
         </p:spPr>
@@ -4414,36 +4414,510 @@
           <a:p>
             <a:r>
               <a:rPr lang="en-US" dirty="0"/>
-              <a:t>Worked hours</a:t>
+              <a:t>Worked Hours</a:t>
             </a:r>
           </a:p>
         </p:txBody>
       </p:sp>
-      <p:sp>
-        <p:nvSpPr>
-          <p:cNvPr id="3" name="Content Placeholder 2">
+      <p:graphicFrame>
+        <p:nvGraphicFramePr>
+          <p:cNvPr id="4" name="Content Placeholder 3">
             <a:extLst>
               <a:ext uri="{FF2B5EF4-FFF2-40B4-BE49-F238E27FC236}">
-                <a16:creationId xmlns:a16="http://schemas.microsoft.com/office/drawing/2014/main" id="{3090F9C0-D721-47CD-8D42-65795F5F9CCD}"/>
+                <a16:creationId xmlns:a16="http://schemas.microsoft.com/office/drawing/2014/main" id="{DF23F591-AD90-4BE3-9947-99A2A6C9D181}"/>
               </a:ext>
             </a:extLst>
           </p:cNvPr>
-          <p:cNvSpPr>
-            <a:spLocks noGrp="1"/>
-          </p:cNvSpPr>
+          <p:cNvGraphicFramePr>
+            <a:graphicFrameLocks noGrp="1"/>
+          </p:cNvGraphicFramePr>
           <p:nvPr>
             <p:ph sz="quarter" idx="10"/>
+            <p:extLst>
+              <p:ext uri="{D42A27DB-BD31-4B8C-83A1-F6EECF244321}">
+                <p14:modId xmlns:p14="http://schemas.microsoft.com/office/powerpoint/2010/main" val="392752722"/>
+              </p:ext>
+            </p:extLst>
           </p:nvPr>
-        </p:nvSpPr>
-        <p:spPr/>
-        <p:txBody>
-          <a:bodyPr/>
-          <a:lstStyle/>
-          <a:p>
-            <a:endParaRPr lang="en-US" dirty="0"/>
-          </a:p>
-        </p:txBody>
-      </p:sp>
+        </p:nvGraphicFramePr>
+        <p:xfrm>
+          <a:off x="1911350" y="2590800"/>
+          <a:ext cx="9055545" cy="5473160"/>
+        </p:xfrm>
+        <a:graphic>
+          <a:graphicData uri="http://schemas.openxmlformats.org/drawingml/2006/table">
+            <a:tbl>
+              <a:tblPr firstRow="1" bandRow="1">
+                <a:tableStyleId>{5C22544A-7EE6-4342-B048-85BDC9FD1C3A}</a:tableStyleId>
+              </a:tblPr>
+              <a:tblGrid>
+                <a:gridCol w="3018515">
+                  <a:extLst>
+                    <a:ext uri="{9D8B030D-6E8A-4147-A177-3AD203B41FA5}">
+                      <a16:colId xmlns:a16="http://schemas.microsoft.com/office/drawing/2014/main" val="375742526"/>
+                    </a:ext>
+                  </a:extLst>
+                </a:gridCol>
+                <a:gridCol w="3018515">
+                  <a:extLst>
+                    <a:ext uri="{9D8B030D-6E8A-4147-A177-3AD203B41FA5}">
+                      <a16:colId xmlns:a16="http://schemas.microsoft.com/office/drawing/2014/main" val="1596231764"/>
+                    </a:ext>
+                  </a:extLst>
+                </a:gridCol>
+                <a:gridCol w="3018515">
+                  <a:extLst>
+                    <a:ext uri="{9D8B030D-6E8A-4147-A177-3AD203B41FA5}">
+                      <a16:colId xmlns:a16="http://schemas.microsoft.com/office/drawing/2014/main" val="2282297677"/>
+                    </a:ext>
+                  </a:extLst>
+                </a:gridCol>
+              </a:tblGrid>
+              <a:tr h="566035">
+                <a:tc>
+                  <a:txBody>
+                    <a:bodyPr/>
+                    <a:lstStyle/>
+                    <a:p>
+                      <a:pPr algn="l"/>
+                      <a:r>
+                        <a:rPr lang="en-US" sz="2800" dirty="0"/>
+                        <a:t>Members</a:t>
+                      </a:r>
+                    </a:p>
+                  </a:txBody>
+                  <a:tcPr/>
+                </a:tc>
+                <a:tc>
+                  <a:txBody>
+                    <a:bodyPr/>
+                    <a:lstStyle/>
+                    <a:p>
+                      <a:pPr algn="l"/>
+                      <a:r>
+                        <a:rPr lang="en-US" sz="2800" dirty="0"/>
+                        <a:t>Worked Hours this week</a:t>
+                      </a:r>
+                    </a:p>
+                  </a:txBody>
+                  <a:tcPr/>
+                </a:tc>
+                <a:tc>
+                  <a:txBody>
+                    <a:bodyPr/>
+                    <a:lstStyle/>
+                    <a:p>
+                      <a:pPr algn="l"/>
+                      <a:r>
+                        <a:rPr lang="en-US" sz="2800" dirty="0"/>
+                        <a:t>Total of Worked Hours</a:t>
+                      </a:r>
+                    </a:p>
+                  </a:txBody>
+                  <a:tcPr/>
+                </a:tc>
+                <a:extLst>
+                  <a:ext uri="{0D108BD9-81ED-4DB2-BD59-A6C34878D82A}">
+                    <a16:rowId xmlns:a16="http://schemas.microsoft.com/office/drawing/2014/main" val="1745249646"/>
+                  </a:ext>
+                </a:extLst>
+              </a:tr>
+              <a:tr h="566035">
+                <a:tc>
+                  <a:txBody>
+                    <a:bodyPr/>
+                    <a:lstStyle/>
+                    <a:p>
+                      <a:pPr algn="l"/>
+                      <a:r>
+                        <a:rPr lang="en-US" sz="2800" dirty="0"/>
+                        <a:t>Alvaro</a:t>
+                      </a:r>
+                    </a:p>
+                  </a:txBody>
+                  <a:tcPr/>
+                </a:tc>
+                <a:tc>
+                  <a:txBody>
+                    <a:bodyPr/>
+                    <a:lstStyle/>
+                    <a:p>
+                      <a:pPr algn="l"/>
+                      <a:r>
+                        <a:rPr lang="en-US" sz="2800" dirty="0"/>
+                        <a:t>0 (Lapland Trip)</a:t>
+                      </a:r>
+                    </a:p>
+                  </a:txBody>
+                  <a:tcPr/>
+                </a:tc>
+                <a:tc>
+                  <a:txBody>
+                    <a:bodyPr/>
+                    <a:lstStyle/>
+                    <a:p>
+                      <a:pPr algn="l"/>
+                      <a:r>
+                        <a:rPr lang="en-US" sz="2800" dirty="0"/>
+                        <a:t>42</a:t>
+                      </a:r>
+                    </a:p>
+                  </a:txBody>
+                  <a:tcPr/>
+                </a:tc>
+                <a:extLst>
+                  <a:ext uri="{0D108BD9-81ED-4DB2-BD59-A6C34878D82A}">
+                    <a16:rowId xmlns:a16="http://schemas.microsoft.com/office/drawing/2014/main" val="2542497103"/>
+                  </a:ext>
+                </a:extLst>
+              </a:tr>
+              <a:tr h="566035">
+                <a:tc>
+                  <a:txBody>
+                    <a:bodyPr/>
+                    <a:lstStyle/>
+                    <a:p>
+                      <a:pPr algn="l"/>
+                      <a:r>
+                        <a:rPr lang="en-US" sz="2800" dirty="0"/>
+                        <a:t>Dara</a:t>
+                      </a:r>
+                    </a:p>
+                  </a:txBody>
+                  <a:tcPr/>
+                </a:tc>
+                <a:tc>
+                  <a:txBody>
+                    <a:bodyPr/>
+                    <a:lstStyle/>
+                    <a:p>
+                      <a:pPr algn="l"/>
+                      <a:r>
+                        <a:rPr lang="en-US" sz="2800" dirty="0"/>
+                        <a:t>13.5</a:t>
+                      </a:r>
+                    </a:p>
+                  </a:txBody>
+                  <a:tcPr/>
+                </a:tc>
+                <a:tc>
+                  <a:txBody>
+                    <a:bodyPr/>
+                    <a:lstStyle/>
+                    <a:p>
+                      <a:pPr algn="l"/>
+                      <a:r>
+                        <a:rPr lang="en-US" sz="2800" dirty="0"/>
+                        <a:t>67</a:t>
+                      </a:r>
+                    </a:p>
+                  </a:txBody>
+                  <a:tcPr/>
+                </a:tc>
+                <a:extLst>
+                  <a:ext uri="{0D108BD9-81ED-4DB2-BD59-A6C34878D82A}">
+                    <a16:rowId xmlns:a16="http://schemas.microsoft.com/office/drawing/2014/main" val="3269174229"/>
+                  </a:ext>
+                </a:extLst>
+              </a:tr>
+              <a:tr h="566035">
+                <a:tc>
+                  <a:txBody>
+                    <a:bodyPr/>
+                    <a:lstStyle/>
+                    <a:p>
+                      <a:pPr algn="l"/>
+                      <a:r>
+                        <a:rPr lang="en-US" sz="2800" dirty="0"/>
+                        <a:t>Fernando</a:t>
+                      </a:r>
+                    </a:p>
+                  </a:txBody>
+                  <a:tcPr/>
+                </a:tc>
+                <a:tc>
+                  <a:txBody>
+                    <a:bodyPr/>
+                    <a:lstStyle/>
+                    <a:p>
+                      <a:pPr algn="l"/>
+                      <a:r>
+                        <a:rPr lang="en-US" sz="2800" dirty="0"/>
+                        <a:t>15.5</a:t>
+                      </a:r>
+                    </a:p>
+                  </a:txBody>
+                  <a:tcPr/>
+                </a:tc>
+                <a:tc>
+                  <a:txBody>
+                    <a:bodyPr/>
+                    <a:lstStyle/>
+                    <a:p>
+                      <a:pPr algn="l"/>
+                      <a:r>
+                        <a:rPr lang="en-US" sz="2800" dirty="0"/>
+                        <a:t>71</a:t>
+                      </a:r>
+                    </a:p>
+                  </a:txBody>
+                  <a:tcPr/>
+                </a:tc>
+                <a:extLst>
+                  <a:ext uri="{0D108BD9-81ED-4DB2-BD59-A6C34878D82A}">
+                    <a16:rowId xmlns:a16="http://schemas.microsoft.com/office/drawing/2014/main" val="2013164802"/>
+                  </a:ext>
+                </a:extLst>
+              </a:tr>
+              <a:tr h="566035">
+                <a:tc>
+                  <a:txBody>
+                    <a:bodyPr/>
+                    <a:lstStyle/>
+                    <a:p>
+                      <a:pPr algn="l"/>
+                      <a:r>
+                        <a:rPr lang="en-US" sz="2800" dirty="0"/>
+                        <a:t>Jonas</a:t>
+                      </a:r>
+                    </a:p>
+                  </a:txBody>
+                  <a:tcPr/>
+                </a:tc>
+                <a:tc>
+                  <a:txBody>
+                    <a:bodyPr/>
+                    <a:lstStyle/>
+                    <a:p>
+                      <a:pPr algn="l"/>
+                      <a:r>
+                        <a:rPr lang="en-US" sz="2800" dirty="0"/>
+                        <a:t>20.5</a:t>
+                      </a:r>
+                    </a:p>
+                  </a:txBody>
+                  <a:tcPr/>
+                </a:tc>
+                <a:tc>
+                  <a:txBody>
+                    <a:bodyPr/>
+                    <a:lstStyle/>
+                    <a:p>
+                      <a:pPr algn="l"/>
+                      <a:r>
+                        <a:rPr lang="en-US" sz="2800" dirty="0"/>
+                        <a:t>63</a:t>
+                      </a:r>
+                    </a:p>
+                  </a:txBody>
+                  <a:tcPr/>
+                </a:tc>
+                <a:extLst>
+                  <a:ext uri="{0D108BD9-81ED-4DB2-BD59-A6C34878D82A}">
+                    <a16:rowId xmlns:a16="http://schemas.microsoft.com/office/drawing/2014/main" val="623275515"/>
+                  </a:ext>
+                </a:extLst>
+              </a:tr>
+              <a:tr h="566035">
+                <a:tc>
+                  <a:txBody>
+                    <a:bodyPr/>
+                    <a:lstStyle/>
+                    <a:p>
+                      <a:pPr algn="l"/>
+                      <a:r>
+                        <a:rPr lang="en-US" sz="2800" dirty="0"/>
+                        <a:t>Pablo</a:t>
+                      </a:r>
+                    </a:p>
+                  </a:txBody>
+                  <a:tcPr/>
+                </a:tc>
+                <a:tc>
+                  <a:txBody>
+                    <a:bodyPr/>
+                    <a:lstStyle/>
+                    <a:p>
+                      <a:pPr algn="l"/>
+                      <a:r>
+                        <a:rPr lang="en-US" sz="2800" dirty="0"/>
+                        <a:t>16.5</a:t>
+                      </a:r>
+                    </a:p>
+                  </a:txBody>
+                  <a:tcPr/>
+                </a:tc>
+                <a:tc>
+                  <a:txBody>
+                    <a:bodyPr/>
+                    <a:lstStyle/>
+                    <a:p>
+                      <a:pPr algn="l"/>
+                      <a:r>
+                        <a:rPr lang="en-US" sz="2800" dirty="0"/>
+                        <a:t>60</a:t>
+                      </a:r>
+                    </a:p>
+                  </a:txBody>
+                  <a:tcPr/>
+                </a:tc>
+                <a:extLst>
+                  <a:ext uri="{0D108BD9-81ED-4DB2-BD59-A6C34878D82A}">
+                    <a16:rowId xmlns:a16="http://schemas.microsoft.com/office/drawing/2014/main" val="3698243505"/>
+                  </a:ext>
+                </a:extLst>
+              </a:tr>
+              <a:tr h="566035">
+                <a:tc>
+                  <a:txBody>
+                    <a:bodyPr/>
+                    <a:lstStyle/>
+                    <a:p>
+                      <a:pPr algn="l"/>
+                      <a:r>
+                        <a:rPr lang="en-US" sz="2800" dirty="0"/>
+                        <a:t>Rickard</a:t>
+                      </a:r>
+                    </a:p>
+                  </a:txBody>
+                  <a:tcPr/>
+                </a:tc>
+                <a:tc>
+                  <a:txBody>
+                    <a:bodyPr/>
+                    <a:lstStyle/>
+                    <a:p>
+                      <a:pPr algn="l"/>
+                      <a:r>
+                        <a:rPr lang="en-US" sz="2800" dirty="0"/>
+                        <a:t>19</a:t>
+                      </a:r>
+                    </a:p>
+                  </a:txBody>
+                  <a:tcPr/>
+                </a:tc>
+                <a:tc>
+                  <a:txBody>
+                    <a:bodyPr/>
+                    <a:lstStyle/>
+                    <a:p>
+                      <a:pPr algn="l"/>
+                      <a:r>
+                        <a:rPr lang="en-US" sz="2800" dirty="0"/>
+                        <a:t>77</a:t>
+                      </a:r>
+                    </a:p>
+                  </a:txBody>
+                  <a:tcPr/>
+                </a:tc>
+                <a:extLst>
+                  <a:ext uri="{0D108BD9-81ED-4DB2-BD59-A6C34878D82A}">
+                    <a16:rowId xmlns:a16="http://schemas.microsoft.com/office/drawing/2014/main" val="4182940255"/>
+                  </a:ext>
+                </a:extLst>
+              </a:tr>
+              <a:tr h="566035">
+                <a:tc>
+                  <a:txBody>
+                    <a:bodyPr/>
+                    <a:lstStyle/>
+                    <a:p>
+                      <a:pPr algn="l"/>
+                      <a:r>
+                        <a:rPr lang="en-US" sz="2800" dirty="0"/>
+                        <a:t>Sidorela</a:t>
+                      </a:r>
+                    </a:p>
+                  </a:txBody>
+                  <a:tcPr/>
+                </a:tc>
+                <a:tc>
+                  <a:txBody>
+                    <a:bodyPr/>
+                    <a:lstStyle/>
+                    <a:p>
+                      <a:pPr algn="l"/>
+                      <a:r>
+                        <a:rPr lang="en-US" sz="2800" dirty="0"/>
+                        <a:t>34.5</a:t>
+                      </a:r>
+                    </a:p>
+                  </a:txBody>
+                  <a:tcPr/>
+                </a:tc>
+                <a:tc>
+                  <a:txBody>
+                    <a:bodyPr/>
+                    <a:lstStyle/>
+                    <a:p>
+                      <a:pPr algn="l"/>
+                      <a:r>
+                        <a:rPr lang="en-US" sz="2800" dirty="0"/>
+                        <a:t>75</a:t>
+                      </a:r>
+                    </a:p>
+                  </a:txBody>
+                  <a:tcPr/>
+                </a:tc>
+                <a:extLst>
+                  <a:ext uri="{0D108BD9-81ED-4DB2-BD59-A6C34878D82A}">
+                    <a16:rowId xmlns:a16="http://schemas.microsoft.com/office/drawing/2014/main" val="2871193662"/>
+                  </a:ext>
+                </a:extLst>
+              </a:tr>
+              <a:tr h="566035">
+                <a:tc>
+                  <a:txBody>
+                    <a:bodyPr/>
+                    <a:lstStyle/>
+                    <a:p>
+                      <a:pPr algn="l"/>
+                      <a:r>
+                        <a:rPr lang="en-US" sz="2800" dirty="0"/>
+                        <a:t>Vasja</a:t>
+                      </a:r>
+                    </a:p>
+                  </a:txBody>
+                  <a:tcPr/>
+                </a:tc>
+                <a:tc>
+                  <a:txBody>
+                    <a:bodyPr/>
+                    <a:lstStyle/>
+                    <a:p>
+                      <a:pPr algn="l"/>
+                      <a:r>
+                        <a:rPr lang="en-US" sz="2800" dirty="0"/>
+                        <a:t>19</a:t>
+                      </a:r>
+                    </a:p>
+                  </a:txBody>
+                  <a:tcPr/>
+                </a:tc>
+                <a:tc>
+                  <a:txBody>
+                    <a:bodyPr/>
+                    <a:lstStyle/>
+                    <a:p>
+                      <a:pPr algn="l"/>
+                      <a:r>
+                        <a:rPr lang="en-US" sz="2800" dirty="0"/>
+                        <a:t>63</a:t>
+                      </a:r>
+                    </a:p>
+                  </a:txBody>
+                  <a:tcPr/>
+                </a:tc>
+                <a:extLst>
+                  <a:ext uri="{0D108BD9-81ED-4DB2-BD59-A6C34878D82A}">
+                    <a16:rowId xmlns:a16="http://schemas.microsoft.com/office/drawing/2014/main" val="2910407158"/>
+                  </a:ext>
+                </a:extLst>
+              </a:tr>
+            </a:tbl>
+          </a:graphicData>
+        </a:graphic>
+      </p:graphicFrame>
     </p:spTree>
     <p:extLst>
       <p:ext uri="{BB962C8B-B14F-4D97-AF65-F5344CB8AC3E}">
